--- a/src/main/resources/Documentation/UserDocs/app/GVT User Capabilities Flowchart.pptx
+++ b/src/main/resources/Documentation/UserDocs/app/GVT User Capabilities Flowchart.pptx
@@ -223,7 +223,7 @@
           <a:p>
             <a:fld id="{9D756F37-617F-4B1C-BED3-CE7228747FF6}" type="datetimeFigureOut">
               <a:rPr lang="en-US" smtClean="0"/>
-              <a:t>8/2/2018</a:t>
+              <a:t>2/26/2019</a:t>
             </a:fld>
             <a:endParaRPr lang="en-US" dirty="0"/>
           </a:p>
@@ -4468,7 +4468,7 @@
                 <a:latin typeface="Calibri" panose="020F0502020204030204"/>
                 <a:ea typeface="ＭＳ Ｐゴシック" panose="020B0600070205080204" pitchFamily="34" charset="-128"/>
               </a:rPr>
-              <a:t>*Public </a:t>
+              <a:t>Public </a:t>
             </a:r>
           </a:p>
           <a:p>
@@ -4535,7 +4535,7 @@
                 <a:latin typeface="Calibri" panose="020F0502020204030204"/>
                 <a:ea typeface="ＭＳ Ｐゴシック" panose="020B0600070205080204" pitchFamily="34" charset="-128"/>
               </a:rPr>
-              <a:t>*Public</a:t>
+              <a:t>Public</a:t>
             </a:r>
           </a:p>
           <a:p>
@@ -4784,7 +4784,7 @@
                   <a:latin typeface="Calibri" panose="020F0502020204030204"/>
                   <a:ea typeface="ＭＳ Ｐゴシック" panose="020B0600070205080204" pitchFamily="34" charset="-128"/>
                 </a:rPr>
-                <a:t>**</a:t>
+                <a:t>*</a:t>
               </a:r>
               <a:r>
                 <a:rPr lang="en-US" sz="1050" b="1" i="1" kern="0" dirty="0">
@@ -4915,7 +4915,7 @@
                   <a:latin typeface="Calibri" panose="020F0502020204030204"/>
                   <a:ea typeface="ＭＳ Ｐゴシック" panose="020B0600070205080204" pitchFamily="34" charset="-128"/>
                 </a:rPr>
-                <a:t>*Public </a:t>
+                <a:t>Public </a:t>
               </a:r>
             </a:p>
             <a:p>
@@ -5040,7 +5040,7 @@
                 <a:latin typeface="Calibri" panose="020F0502020204030204"/>
                 <a:ea typeface="ＭＳ Ｐゴシック" panose="020B0600070205080204" pitchFamily="34" charset="-128"/>
               </a:rPr>
-              <a:t>*Public Tool Scope</a:t>
+              <a:t>Public Tool Scope</a:t>
             </a:r>
           </a:p>
         </p:txBody>
@@ -5197,7 +5197,7 @@
                 <a:latin typeface="Calibri" panose="020F0502020204030204"/>
                 <a:ea typeface="ＭＳ Ｐゴシック" panose="020B0600070205080204" pitchFamily="34" charset="-128"/>
               </a:rPr>
-              <a:t>**</a:t>
+              <a:t>*</a:t>
             </a:r>
             <a:r>
               <a:rPr lang="en-US" sz="1400" b="1" i="1" kern="0" dirty="0">
@@ -5573,7 +5573,7 @@
                 <a:latin typeface="Calibri" panose="020F0502020204030204"/>
                 <a:ea typeface="ＭＳ Ｐゴシック" panose="020B0600070205080204" pitchFamily="34" charset="-128"/>
               </a:rPr>
-              <a:t>*Public Tool Scope</a:t>
+              <a:t>Public Tool Scope</a:t>
             </a:r>
           </a:p>
         </p:txBody>
@@ -5633,55 +5633,6 @@
       </p:cxnSp>
       <p:sp>
         <p:nvSpPr>
-          <p:cNvPr id="95" name="TextBox 94">
-            <a:extLst>
-              <a:ext uri="{FF2B5EF4-FFF2-40B4-BE49-F238E27FC236}">
-                <a16:creationId xmlns:a16="http://schemas.microsoft.com/office/drawing/2014/main" id="{77EB14C0-C400-4ABD-86B7-098265552252}"/>
-              </a:ext>
-            </a:extLst>
-          </p:cNvPr>
-          <p:cNvSpPr txBox="1"/>
-          <p:nvPr/>
-        </p:nvSpPr>
-        <p:spPr>
-          <a:xfrm>
-            <a:off x="10277435" y="5611842"/>
-            <a:ext cx="1518767" cy="307777"/>
-          </a:xfrm>
-          <a:prstGeom prst="rect">
-            <a:avLst/>
-          </a:prstGeom>
-          <a:solidFill>
-            <a:schemeClr val="accent1"/>
-          </a:solidFill>
-          <a:ln w="28575">
-            <a:solidFill>
-              <a:schemeClr val="bg1">
-                <a:lumMod val="50000"/>
-              </a:schemeClr>
-            </a:solidFill>
-          </a:ln>
-        </p:spPr>
-        <p:txBody>
-          <a:bodyPr wrap="square" rtlCol="0">
-            <a:spAutoFit/>
-          </a:bodyPr>
-          <a:lstStyle/>
-          <a:p>
-            <a:pPr algn="ctr"/>
-            <a:r>
-              <a:rPr lang="en-US" sz="700" dirty="0"/>
-              <a:t>* </a:t>
-            </a:r>
-            <a:r>
-              <a:rPr lang="en-US" sz="700" b="1" dirty="0"/>
-              <a:t>Once Public, cannot be made Private; can only be deleted</a:t>
-            </a:r>
-          </a:p>
-        </p:txBody>
-      </p:sp>
-      <p:sp>
-        <p:nvSpPr>
           <p:cNvPr id="96" name="TextBox 95">
             <a:extLst>
               <a:ext uri="{FF2B5EF4-FFF2-40B4-BE49-F238E27FC236}">
@@ -5694,8 +5645,8 @@
         </p:nvSpPr>
         <p:spPr>
           <a:xfrm>
-            <a:off x="6304319" y="4315775"/>
-            <a:ext cx="1749197" cy="707886"/>
+            <a:off x="6168010" y="4400069"/>
+            <a:ext cx="1469247" cy="954107"/>
           </a:xfrm>
           <a:prstGeom prst="rect">
             <a:avLst/>
@@ -5723,7 +5674,7 @@
             <a:pPr algn="ctr"/>
             <a:r>
               <a:rPr lang="en-US" sz="800" b="1" dirty="0"/>
-              <a:t>** Viewable only by GVT Account User who is the creator; can be changed to Public by Account User assigned Supervisor role</a:t>
+              <a:t>*Viewable only by GVT Account User who is the creator (Deployer); can be changed to Public by Account User assigned Publisher role by GVT Administrator</a:t>
             </a:r>
           </a:p>
         </p:txBody>
@@ -5741,9 +5692,9 @@
           <p:nvPr/>
         </p:nvSpPr>
         <p:spPr>
-          <a:xfrm rot="20043979">
-            <a:off x="9246664" y="1794928"/>
-            <a:ext cx="928552" cy="507831"/>
+          <a:xfrm>
+            <a:off x="9944228" y="2102590"/>
+            <a:ext cx="1119726" cy="369332"/>
           </a:xfrm>
           <a:prstGeom prst="rect">
             <a:avLst/>
@@ -5763,7 +5714,7 @@
                   <a:srgbClr val="FF0000"/>
                 </a:solidFill>
               </a:rPr>
-              <a:t>Is created Private by default</a:t>
+              <a:t>Created Private by default</a:t>
             </a:r>
           </a:p>
         </p:txBody>
@@ -5782,8 +5733,8 @@
         </p:nvSpPr>
         <p:spPr>
           <a:xfrm>
-            <a:off x="6122348" y="5340181"/>
-            <a:ext cx="1469247" cy="707886"/>
+            <a:off x="7031917" y="5349755"/>
+            <a:ext cx="3703815" cy="338554"/>
           </a:xfrm>
           <a:prstGeom prst="rect">
             <a:avLst/>
@@ -5796,9 +5747,10 @@
           </a:bodyPr>
           <a:lstStyle/>
           <a:p>
+            <a:pPr algn="ctr"/>
             <a:r>
               <a:rPr lang="en-US" sz="800" dirty="0"/>
-              <a:t>Test Management of a Tool Scope and its components is allowed only by GVT Account User who is the creator of the Tool Scope</a:t>
+              <a:t>Test Management of a Tool Scope and its components is allowed only by GVT Account User who is the creator (Deployer) of the Tool Scope</a:t>
             </a:r>
           </a:p>
         </p:txBody>
@@ -5870,7 +5822,7 @@
                   <a:latin typeface="Calibri" panose="020F0502020204030204"/>
                   <a:ea typeface="ＭＳ Ｐゴシック" panose="020B0600070205080204" pitchFamily="34" charset="-128"/>
                 </a:rPr>
-                <a:t>*Public</a:t>
+                <a:t>Public</a:t>
               </a:r>
             </a:p>
             <a:p>
@@ -5940,7 +5892,7 @@
                   <a:latin typeface="Calibri" panose="020F0502020204030204"/>
                   <a:ea typeface="ＭＳ Ｐゴシック" panose="020B0600070205080204" pitchFamily="34" charset="-128"/>
                 </a:rPr>
-                <a:t>**</a:t>
+                <a:t>*</a:t>
               </a:r>
               <a:r>
                 <a:rPr lang="en-US" sz="1050" b="1" i="1" kern="0" dirty="0">
@@ -6178,6 +6130,254 @@
           </a:extLst>
         </p:spPr>
       </p:cxnSp>
+      <p:cxnSp>
+        <p:nvCxnSpPr>
+          <p:cNvPr id="53" name="Straight Connector 52">
+            <a:extLst>
+              <a:ext uri="{FF2B5EF4-FFF2-40B4-BE49-F238E27FC236}">
+                <a16:creationId xmlns:a16="http://schemas.microsoft.com/office/drawing/2014/main" id="{AE89EBA5-3602-44DF-A571-6FE180F80F13}"/>
+              </a:ext>
+            </a:extLst>
+          </p:cNvPr>
+          <p:cNvCxnSpPr>
+            <a:cxnSpLocks/>
+          </p:cNvCxnSpPr>
+          <p:nvPr/>
+        </p:nvCxnSpPr>
+        <p:spPr bwMode="auto">
+          <a:xfrm>
+            <a:off x="10060887" y="2114056"/>
+            <a:ext cx="0" cy="353362"/>
+          </a:xfrm>
+          <a:prstGeom prst="line">
+            <a:avLst/>
+          </a:prstGeom>
+          <a:solidFill>
+            <a:schemeClr val="accent1"/>
+          </a:solidFill>
+          <a:ln w="9525" cap="flat" cmpd="sng" algn="ctr">
+            <a:solidFill>
+              <a:schemeClr val="tx1"/>
+            </a:solidFill>
+            <a:prstDash val="solid"/>
+            <a:round/>
+            <a:headEnd type="none" w="med" len="med"/>
+            <a:tailEnd type="triangle" w="med" len="med"/>
+          </a:ln>
+          <a:effectLst/>
+          <a:extLst>
+            <a:ext uri="{AF507438-7753-43E0-B8FC-AC1667EBCBE1}">
+              <a14:hiddenEffects xmlns:a14="http://schemas.microsoft.com/office/drawing/2010/main">
+                <a:effectLst>
+                  <a:outerShdw dist="35921" dir="2700000" algn="ctr" rotWithShape="0">
+                    <a:schemeClr val="bg2"/>
+                  </a:outerShdw>
+                </a:effectLst>
+              </a14:hiddenEffects>
+            </a:ext>
+          </a:extLst>
+        </p:spPr>
+      </p:cxnSp>
+      <p:sp>
+        <p:nvSpPr>
+          <p:cNvPr id="65" name="TextBox 64">
+            <a:extLst>
+              <a:ext uri="{FF2B5EF4-FFF2-40B4-BE49-F238E27FC236}">
+                <a16:creationId xmlns:a16="http://schemas.microsoft.com/office/drawing/2014/main" id="{0AE3D8D8-0106-4C5D-B038-393211AA16B4}"/>
+              </a:ext>
+            </a:extLst>
+          </p:cNvPr>
+          <p:cNvSpPr txBox="1"/>
+          <p:nvPr/>
+        </p:nvSpPr>
+        <p:spPr>
+          <a:xfrm>
+            <a:off x="8533690" y="4030739"/>
+            <a:ext cx="1119726" cy="369332"/>
+          </a:xfrm>
+          <a:prstGeom prst="rect">
+            <a:avLst/>
+          </a:prstGeom>
+          <a:noFill/>
+        </p:spPr>
+        <p:txBody>
+          <a:bodyPr wrap="square" rtlCol="0">
+            <a:spAutoFit/>
+          </a:bodyPr>
+          <a:lstStyle/>
+          <a:p>
+            <a:pPr algn="ctr"/>
+            <a:r>
+              <a:rPr lang="en-US" sz="900" dirty="0">
+                <a:solidFill>
+                  <a:srgbClr val="FF0000"/>
+                </a:solidFill>
+              </a:rPr>
+              <a:t>Publisher can make Public</a:t>
+            </a:r>
+          </a:p>
+        </p:txBody>
+      </p:sp>
+      <p:sp>
+        <p:nvSpPr>
+          <p:cNvPr id="73" name="TextBox 72">
+            <a:extLst>
+              <a:ext uri="{FF2B5EF4-FFF2-40B4-BE49-F238E27FC236}">
+                <a16:creationId xmlns:a16="http://schemas.microsoft.com/office/drawing/2014/main" id="{CFA97D89-4E5D-4779-8639-9B701FE27591}"/>
+              </a:ext>
+            </a:extLst>
+          </p:cNvPr>
+          <p:cNvSpPr txBox="1"/>
+          <p:nvPr/>
+        </p:nvSpPr>
+        <p:spPr>
+          <a:xfrm>
+            <a:off x="10434773" y="4028627"/>
+            <a:ext cx="1119726" cy="369332"/>
+          </a:xfrm>
+          <a:prstGeom prst="rect">
+            <a:avLst/>
+          </a:prstGeom>
+          <a:noFill/>
+        </p:spPr>
+        <p:txBody>
+          <a:bodyPr wrap="square" rtlCol="0">
+            <a:spAutoFit/>
+          </a:bodyPr>
+          <a:lstStyle/>
+          <a:p>
+            <a:pPr algn="ctr"/>
+            <a:r>
+              <a:rPr lang="en-US" sz="900" dirty="0">
+                <a:solidFill>
+                  <a:srgbClr val="FF0000"/>
+                </a:solidFill>
+              </a:rPr>
+              <a:t>Publisher can make Public</a:t>
+            </a:r>
+          </a:p>
+        </p:txBody>
+      </p:sp>
+      <p:sp>
+        <p:nvSpPr>
+          <p:cNvPr id="77" name="TextBox 76">
+            <a:extLst>
+              <a:ext uri="{FF2B5EF4-FFF2-40B4-BE49-F238E27FC236}">
+                <a16:creationId xmlns:a16="http://schemas.microsoft.com/office/drawing/2014/main" id="{A46B1EB2-FDD3-44E1-BFE9-A1A0149A5020}"/>
+              </a:ext>
+            </a:extLst>
+          </p:cNvPr>
+          <p:cNvSpPr txBox="1"/>
+          <p:nvPr/>
+        </p:nvSpPr>
+        <p:spPr>
+          <a:xfrm>
+            <a:off x="8843317" y="2759623"/>
+            <a:ext cx="1588031" cy="230832"/>
+          </a:xfrm>
+          <a:prstGeom prst="rect">
+            <a:avLst/>
+          </a:prstGeom>
+          <a:noFill/>
+        </p:spPr>
+        <p:txBody>
+          <a:bodyPr wrap="square" rtlCol="0">
+            <a:spAutoFit/>
+          </a:bodyPr>
+          <a:lstStyle/>
+          <a:p>
+            <a:pPr algn="ctr"/>
+            <a:r>
+              <a:rPr lang="en-US" sz="900" dirty="0">
+                <a:solidFill>
+                  <a:srgbClr val="FF0000"/>
+                </a:solidFill>
+              </a:rPr>
+              <a:t>Publisher can make Public</a:t>
+            </a:r>
+          </a:p>
+        </p:txBody>
+      </p:sp>
+      <p:sp>
+        <p:nvSpPr>
+          <p:cNvPr id="86" name="TextBox 85">
+            <a:extLst>
+              <a:ext uri="{FF2B5EF4-FFF2-40B4-BE49-F238E27FC236}">
+                <a16:creationId xmlns:a16="http://schemas.microsoft.com/office/drawing/2014/main" id="{843978CB-9454-43ED-9BF1-0EC7CD9AFD20}"/>
+              </a:ext>
+            </a:extLst>
+          </p:cNvPr>
+          <p:cNvSpPr txBox="1"/>
+          <p:nvPr/>
+        </p:nvSpPr>
+        <p:spPr>
+          <a:xfrm>
+            <a:off x="7995010" y="3033433"/>
+            <a:ext cx="898456" cy="507831"/>
+          </a:xfrm>
+          <a:prstGeom prst="rect">
+            <a:avLst/>
+          </a:prstGeom>
+          <a:noFill/>
+        </p:spPr>
+        <p:txBody>
+          <a:bodyPr wrap="square" rtlCol="0">
+            <a:spAutoFit/>
+          </a:bodyPr>
+          <a:lstStyle/>
+          <a:p>
+            <a:pPr algn="ctr"/>
+            <a:r>
+              <a:rPr lang="en-US" sz="900" dirty="0">
+                <a:solidFill>
+                  <a:srgbClr val="FF0000"/>
+                </a:solidFill>
+              </a:rPr>
+              <a:t>Created Private by default</a:t>
+            </a:r>
+          </a:p>
+        </p:txBody>
+      </p:sp>
+      <p:sp>
+        <p:nvSpPr>
+          <p:cNvPr id="87" name="TextBox 86">
+            <a:extLst>
+              <a:ext uri="{FF2B5EF4-FFF2-40B4-BE49-F238E27FC236}">
+                <a16:creationId xmlns:a16="http://schemas.microsoft.com/office/drawing/2014/main" id="{E4442308-F675-4A3B-A11E-9B2368F5FBCE}"/>
+              </a:ext>
+            </a:extLst>
+          </p:cNvPr>
+          <p:cNvSpPr txBox="1"/>
+          <p:nvPr/>
+        </p:nvSpPr>
+        <p:spPr>
+          <a:xfrm>
+            <a:off x="10431348" y="3067411"/>
+            <a:ext cx="898456" cy="507831"/>
+          </a:xfrm>
+          <a:prstGeom prst="rect">
+            <a:avLst/>
+          </a:prstGeom>
+          <a:noFill/>
+        </p:spPr>
+        <p:txBody>
+          <a:bodyPr wrap="square" rtlCol="0">
+            <a:spAutoFit/>
+          </a:bodyPr>
+          <a:lstStyle/>
+          <a:p>
+            <a:pPr algn="ctr"/>
+            <a:r>
+              <a:rPr lang="en-US" sz="900" dirty="0">
+                <a:solidFill>
+                  <a:srgbClr val="FF0000"/>
+                </a:solidFill>
+              </a:rPr>
+              <a:t>Created Private by default</a:t>
+            </a:r>
+          </a:p>
+        </p:txBody>
+      </p:sp>
     </p:spTree>
     <p:extLst>
       <p:ext uri="{BB962C8B-B14F-4D97-AF65-F5344CB8AC3E}">
